--- a/images/image.pptx
+++ b/images/image.pptx
@@ -3684,7 +3684,7 @@
             <a:pPr algn="ctr"/>
             <a:r>
               <a:rPr kumimoji="1" lang="en-US" altLang="ja-US" dirty="0"/>
-              <a:t>TOML</a:t>
+              <a:t>JSON</a:t>
             </a:r>
             <a:endParaRPr kumimoji="1" lang="ja-US" altLang="en-US" dirty="0"/>
           </a:p>
@@ -3793,8 +3793,8 @@
           <a:p>
             <a:pPr algn="ctr"/>
             <a:r>
-              <a:rPr kumimoji="1" lang="en-US" altLang="ja-US" dirty="0"/>
-              <a:t>JSON</a:t>
+              <a:rPr kumimoji="1" lang="en-US" altLang="ja-US"/>
+              <a:t>TOML</a:t>
             </a:r>
             <a:endParaRPr kumimoji="1" lang="ja-US" altLang="en-US" dirty="0"/>
           </a:p>
